--- a/docs/weeks/week01.pptx
+++ b/docs/weeks/week01.pptx
@@ -11,8 +11,6 @@
     <p:sldId id="259" r:id="rId5"/>
     <p:sldId id="260" r:id="rId6"/>
     <p:sldId id="261" r:id="rId7"/>
-    <p:sldId id="262" r:id="rId8"/>
-    <p:sldId id="263" r:id="rId9"/>
   </p:sldIdLst>
   <p:sldSz cx="9144000" cy="5143500" type="screen16x9"/>
   <p:notesSz cx="6858000" cy="9144000"/>
@@ -3389,7 +3387,42 @@
             </a:pPr>
             <a:r>
               <a:rPr/>
-              <a:t>Course CANVAS site</a:t>
+              <a:t>Course companion site</a:t>
+            </a:r>
+          </a:p>
+        </p:txBody>
+      </p:sp>
+      <p:sp>
+        <p:nvSpPr>
+          <p:cNvPr id="3" name="Content Placeholder 2"/>
+          <p:cNvSpPr>
+            <a:spLocks noGrp="1"/>
+          </p:cNvSpPr>
+          <p:nvPr>
+            <p:ph idx="1"/>
+          </p:nvPr>
+        </p:nvSpPr>
+        <p:spPr/>
+        <p:txBody>
+          <a:bodyPr/>
+          <a:lstStyle/>
+          <a:p>
+            <a:pPr lvl="0" indent="0" marL="0">
+              <a:buNone/>
+            </a:pPr>
+            <a:r>
+              <a:rPr/>
+              <a:t>The landing page for our companion site can be found </a:t>
+            </a:r>
+            <a:r>
+              <a:rPr>
+                <a:hlinkClick r:id="rId2"/>
+              </a:rPr>
+              <a:t>here</a:t>
+            </a:r>
+            <a:r>
+              <a:rPr/>
+              <a:t>.</a:t>
             </a:r>
           </a:p>
         </p:txBody>
@@ -3436,7 +3469,7 @@
             </a:pPr>
             <a:r>
               <a:rPr/>
-              <a:t>Course companion site</a:t>
+              <a:t>Initial assignments</a:t>
             </a:r>
           </a:p>
         </p:txBody>
@@ -3457,15 +3490,107 @@
           <a:lstStyle/>
           <a:p>
             <a:pPr lvl="0" indent="0" marL="0">
+              <a:spcBef>
+                <a:spcPts val="3000"/>
+              </a:spcBef>
               <a:buNone/>
             </a:pPr>
             <a:r>
+              <a:rPr b="1"/>
+              <a:t>Annotated Bibliography</a:t>
+            </a:r>
+          </a:p>
+          <a:p>
+            <a:pPr lvl="0" indent="0" marL="0">
+              <a:buNone/>
+            </a:pPr>
+            <a:r>
               <a:rPr/>
-              <a:t>The landing page for our companion site can be found </a:t>
+              <a:t>Your annotated bibliography is due Sun Feb 2 using OpenAlex or the Web of Science (WoS).</a:t>
+            </a:r>
+          </a:p>
+          <a:p>
+            <a:pPr lvl="0" indent="0" marL="0">
+              <a:spcBef>
+                <a:spcPts val="3000"/>
+              </a:spcBef>
+              <a:buNone/>
+            </a:pPr>
+            <a:r>
+              <a:rPr b="1"/>
+              <a:t>Lab #1</a:t>
+            </a:r>
+          </a:p>
+          <a:p>
+            <a:pPr lvl="0" indent="0" marL="0">
+              <a:buNone/>
+            </a:pPr>
+            <a:r>
+              <a:rPr/>
+              <a:t>Lab 1 is due Sun Feb 16.</a:t>
+            </a:r>
+          </a:p>
+          <a:p>
+            <a:pPr lvl="0" indent="0" marL="0">
+              <a:spcBef>
+                <a:spcPts val="3000"/>
+              </a:spcBef>
+              <a:buNone/>
+            </a:pPr>
+            <a:r>
+              <a:rPr b="1"/>
+              <a:t>Paper #1</a:t>
+            </a:r>
+          </a:p>
+          <a:p>
+            <a:pPr lvl="0" indent="0" marL="0">
+              <a:buNone/>
+            </a:pPr>
+            <a:r>
+              <a:rPr/>
+              <a:t>You can read more about paper #1 </a:t>
             </a:r>
             <a:r>
               <a:rPr>
                 <a:hlinkClick r:id="rId2"/>
+              </a:rPr>
+              <a:t>here</a:t>
+            </a:r>
+            <a:r>
+              <a:rPr/>
+              <a:t>.</a:t>
+            </a:r>
+          </a:p>
+          <a:p>
+            <a:pPr lvl="0" indent="0" marL="0">
+              <a:buNone/>
+            </a:pPr>
+            <a:r>
+              <a:rPr/>
+              <a:t>See the instructions for paper assignments </a:t>
+            </a:r>
+            <a:r>
+              <a:rPr>
+                <a:hlinkClick r:id="rId3"/>
+              </a:rPr>
+              <a:t>here</a:t>
+            </a:r>
+            <a:r>
+              <a:rPr/>
+              <a:t>.</a:t>
+            </a:r>
+          </a:p>
+          <a:p>
+            <a:pPr lvl="0" indent="0" marL="0">
+              <a:buNone/>
+            </a:pPr>
+            <a:r>
+              <a:rPr/>
+              <a:t>Also, learn more about paper assignments </a:t>
+            </a:r>
+            <a:r>
+              <a:rPr>
+                <a:hlinkClick r:id="rId4"/>
               </a:rPr>
               <a:t>here</a:t>
             </a:r>
@@ -3518,180 +3643,6 @@
             </a:pPr>
             <a:r>
               <a:rPr/>
-              <a:t>Initial assignments</a:t>
-            </a:r>
-          </a:p>
-        </p:txBody>
-      </p:sp>
-      <p:sp>
-        <p:nvSpPr>
-          <p:cNvPr id="3" name="Content Placeholder 2"/>
-          <p:cNvSpPr>
-            <a:spLocks noGrp="1"/>
-          </p:cNvSpPr>
-          <p:nvPr>
-            <p:ph idx="1"/>
-          </p:nvPr>
-        </p:nvSpPr>
-        <p:spPr/>
-        <p:txBody>
-          <a:bodyPr/>
-          <a:lstStyle/>
-          <a:p>
-            <a:pPr lvl="0" indent="0" marL="0">
-              <a:spcBef>
-                <a:spcPts val="3000"/>
-              </a:spcBef>
-              <a:buNone/>
-            </a:pPr>
-            <a:r>
-              <a:rPr b="1"/>
-              <a:t>Annotated Bibliography</a:t>
-            </a:r>
-          </a:p>
-          <a:p>
-            <a:pPr lvl="0" indent="0" marL="0">
-              <a:buNone/>
-            </a:pPr>
-            <a:r>
-              <a:rPr/>
-              <a:t>Your annotated bibliography is due Sun Feb 2 using OpenAlex or the Web of Science (WoS).</a:t>
-            </a:r>
-          </a:p>
-          <a:p>
-            <a:pPr lvl="0" indent="0" marL="0">
-              <a:spcBef>
-                <a:spcPts val="3000"/>
-              </a:spcBef>
-              <a:buNone/>
-            </a:pPr>
-            <a:r>
-              <a:rPr b="1"/>
-              <a:t>Lab #1</a:t>
-            </a:r>
-          </a:p>
-          <a:p>
-            <a:pPr lvl="0" indent="0" marL="0">
-              <a:buNone/>
-            </a:pPr>
-            <a:r>
-              <a:rPr/>
-              <a:t>Lab 1 is due Sun Feb 16.</a:t>
-            </a:r>
-          </a:p>
-          <a:p>
-            <a:pPr lvl="0" indent="0" marL="0">
-              <a:spcBef>
-                <a:spcPts val="3000"/>
-              </a:spcBef>
-              <a:buNone/>
-            </a:pPr>
-            <a:r>
-              <a:rPr b="1"/>
-              <a:t>Paper #1</a:t>
-            </a:r>
-          </a:p>
-          <a:p>
-            <a:pPr lvl="0" indent="0" marL="0">
-              <a:buNone/>
-            </a:pPr>
-            <a:r>
-              <a:rPr/>
-              <a:t>You can read more about paper #1 </a:t>
-            </a:r>
-            <a:r>
-              <a:rPr>
-                <a:hlinkClick r:id="rId2"/>
-              </a:rPr>
-              <a:t>here</a:t>
-            </a:r>
-            <a:r>
-              <a:rPr/>
-              <a:t>.</a:t>
-            </a:r>
-          </a:p>
-          <a:p>
-            <a:pPr lvl="0" indent="0" marL="0">
-              <a:buNone/>
-            </a:pPr>
-            <a:r>
-              <a:rPr/>
-              <a:t>See the instructions for paper assignments </a:t>
-            </a:r>
-            <a:r>
-              <a:rPr>
-                <a:hlinkClick r:id="rId3"/>
-              </a:rPr>
-              <a:t>here</a:t>
-            </a:r>
-            <a:r>
-              <a:rPr/>
-              <a:t>.</a:t>
-            </a:r>
-          </a:p>
-          <a:p>
-            <a:pPr lvl="0" indent="0" marL="0">
-              <a:buNone/>
-            </a:pPr>
-            <a:r>
-              <a:rPr/>
-              <a:t>Also, learn more about paper assignments </a:t>
-            </a:r>
-            <a:r>
-              <a:rPr>
-                <a:hlinkClick r:id="rId4"/>
-              </a:rPr>
-              <a:t>here</a:t>
-            </a:r>
-            <a:r>
-              <a:rPr/>
-              <a:t>.</a:t>
-            </a:r>
-          </a:p>
-        </p:txBody>
-      </p:sp>
-    </p:spTree>
-  </p:cSld>
-</p:sld>
-</file>
-
-<file path=ppt/slides/slide7.xml><?xml version="1.0" encoding="utf-8"?>
-<p:sld xmlns:a="http://schemas.openxmlformats.org/drawingml/2006/main" xmlns:r="http://schemas.openxmlformats.org/officeDocument/2006/relationships" xmlns:p="http://schemas.openxmlformats.org/presentationml/2006/main">
-  <p:cSld>
-    <p:spTree>
-      <p:nvGrpSpPr>
-        <p:cNvPr id="1" name=""/>
-        <p:cNvGrpSpPr/>
-        <p:nvPr/>
-      </p:nvGrpSpPr>
-      <p:grpSpPr>
-        <a:xfrm>
-          <a:off x="0" y="0"/>
-          <a:ext cx="0" cy="0"/>
-          <a:chOff x="0" y="0"/>
-          <a:chExt cx="0" cy="0"/>
-        </a:xfrm>
-      </p:grpSpPr>
-      <p:sp>
-        <p:nvSpPr>
-          <p:cNvPr id="2" name="Title 1"/>
-          <p:cNvSpPr>
-            <a:spLocks noGrp="1"/>
-          </p:cNvSpPr>
-          <p:nvPr>
-            <p:ph type="title"/>
-          </p:nvPr>
-        </p:nvSpPr>
-        <p:spPr/>
-        <p:txBody>
-          <a:bodyPr/>
-          <a:lstStyle/>
-          <a:p>
-            <a:pPr lvl="0" indent="0" marL="0">
-              <a:buNone/>
-            </a:pPr>
-            <a:r>
-              <a:rPr/>
               <a:t>Case Study 1: Tuskegee Experiement of Untreated Syphillis</a:t>
             </a:r>
           </a:p>
@@ -3718,53 +3669,6 @@
             <a:r>
               <a:rPr/>
               <a:t>To help you prepare for our forthcoming discussions and readings, you should explore information about our first case study. One place to start is here: “The Tuskegee Experiment: Crash Course Black American History #29” in the video below:</a:t>
-            </a:r>
-          </a:p>
-        </p:txBody>
-      </p:sp>
-    </p:spTree>
-  </p:cSld>
-</p:sld>
-</file>
-
-<file path=ppt/slides/slide8.xml><?xml version="1.0" encoding="utf-8"?>
-<p:sld xmlns:a="http://schemas.openxmlformats.org/drawingml/2006/main" xmlns:r="http://schemas.openxmlformats.org/officeDocument/2006/relationships" xmlns:p="http://schemas.openxmlformats.org/presentationml/2006/main">
-  <p:cSld>
-    <p:spTree>
-      <p:nvGrpSpPr>
-        <p:cNvPr id="1" name=""/>
-        <p:cNvGrpSpPr/>
-        <p:nvPr/>
-      </p:nvGrpSpPr>
-      <p:grpSpPr>
-        <a:xfrm>
-          <a:off x="0" y="0"/>
-          <a:ext cx="0" cy="0"/>
-          <a:chOff x="0" y="0"/>
-          <a:chExt cx="0" cy="0"/>
-        </a:xfrm>
-      </p:grpSpPr>
-      <p:sp>
-        <p:nvSpPr>
-          <p:cNvPr id="2" name="Title 1"/>
-          <p:cNvSpPr>
-            <a:spLocks noGrp="1"/>
-          </p:cNvSpPr>
-          <p:nvPr>
-            <p:ph type="title"/>
-          </p:nvPr>
-        </p:nvSpPr>
-        <p:spPr/>
-        <p:txBody>
-          <a:bodyPr/>
-          <a:lstStyle/>
-          <a:p>
-            <a:pPr lvl="0" indent="0" marL="0">
-              <a:buNone/>
-            </a:pPr>
-            <a:r>
-              <a:rPr/>
-              <a:t>References</a:t>
             </a:r>
           </a:p>
         </p:txBody>
